--- a/Presentations/2023_02_DataVizChallenge_Cartofriches.pptx
+++ b/Presentations/2023_02_DataVizChallenge_Cartofriches.pptx
@@ -8,7 +8,7 @@
     <p:sldMasterId id="2147483669" r:id="rId4"/>
   </p:sldMasterIdLst>
   <p:notesMasterIdLst>
-    <p:notesMasterId r:id="rId24"/>
+    <p:notesMasterId r:id="rId25"/>
   </p:notesMasterIdLst>
   <p:sldIdLst>
     <p:sldId id="280" r:id="rId5"/>
@@ -27,9 +27,10 @@
     <p:sldId id="419" r:id="rId18"/>
     <p:sldId id="424" r:id="rId19"/>
     <p:sldId id="420" r:id="rId20"/>
-    <p:sldId id="423" r:id="rId21"/>
-    <p:sldId id="416" r:id="rId22"/>
-    <p:sldId id="277" r:id="rId23"/>
+    <p:sldId id="425" r:id="rId21"/>
+    <p:sldId id="423" r:id="rId22"/>
+    <p:sldId id="416" r:id="rId23"/>
+    <p:sldId id="277" r:id="rId24"/>
   </p:sldIdLst>
   <p:sldSz cx="12192000" cy="6858000"/>
   <p:notesSz cx="6797675" cy="9926638"/>
@@ -637,7 +638,7 @@
           <a:p>
             <a:fld id="{1044C893-BBFD-4EDB-B14A-EE98779AAE0F}" type="slidenum">
               <a:rPr lang="fr-FR" smtClean="0"/>
-              <a:t>19</a:t>
+              <a:t>20</a:t>
             </a:fld>
             <a:endParaRPr lang="fr-FR"/>
           </a:p>
@@ -1817,7 +1818,7 @@
                 <a14:useLocalDpi xmlns:a14="http://schemas.microsoft.com/office/drawing/2010/main" val="0"/>
               </a:ext>
               <a:ext uri="{96DAC541-7B7A-43D3-8B79-37D633B846F1}">
-                <asvg:svgBlip xmlns:asvg="http://schemas.microsoft.com/office/drawing/2016/SVG/main" xmlns="" r:embed="rId3"/>
+                <asvg:svgBlip xmlns="" xmlns:asvg="http://schemas.microsoft.com/office/drawing/2016/SVG/main" r:embed="rId3"/>
               </a:ext>
             </a:extLst>
           </a:blip>
@@ -16237,7 +16238,7 @@
                 <a14:useLocalDpi xmlns:a14="http://schemas.microsoft.com/office/drawing/2010/main" val="0"/>
               </a:ext>
               <a:ext uri="{96DAC541-7B7A-43D3-8B79-37D633B846F1}">
-                <asvg:svgBlip xmlns:asvg="http://schemas.microsoft.com/office/drawing/2016/SVG/main" xmlns="" r:embed="rId3"/>
+                <asvg:svgBlip xmlns="" xmlns:asvg="http://schemas.microsoft.com/office/drawing/2016/SVG/main" r:embed="rId3"/>
               </a:ext>
             </a:extLst>
           </a:blip>
@@ -19260,6 +19261,94 @@
           </a:p>
         </p:txBody>
       </p:sp>
+      <p:sp>
+        <p:nvSpPr>
+          <p:cNvPr id="3" name="Rectangle 2"/>
+          <p:cNvSpPr/>
+          <p:nvPr/>
+        </p:nvSpPr>
+        <p:spPr>
+          <a:xfrm>
+            <a:off x="454042" y="1485008"/>
+            <a:ext cx="10137648" cy="369332"/>
+          </a:xfrm>
+          <a:prstGeom prst="rect">
+            <a:avLst/>
+          </a:prstGeom>
+        </p:spPr>
+        <p:txBody>
+          <a:bodyPr wrap="square">
+            <a:spAutoFit/>
+          </a:bodyPr>
+          <a:lstStyle/>
+          <a:p>
+            <a:r>
+              <a:rPr lang="fr-FR" dirty="0">
+                <a:hlinkClick r:id="rId2"/>
+              </a:rPr>
+              <a:t>https://</a:t>
+            </a:r>
+            <a:r>
+              <a:rPr lang="fr-FR" dirty="0" smtClean="0">
+                <a:hlinkClick r:id="rId2"/>
+              </a:rPr>
+              <a:t>github.com/cnigfr/schema-friches/blob/main/schema.json</a:t>
+            </a:r>
+            <a:r>
+              <a:rPr lang="fr-FR" dirty="0" smtClean="0"/>
+              <a:t> </a:t>
+            </a:r>
+            <a:endParaRPr lang="fr-FR" dirty="0"/>
+          </a:p>
+        </p:txBody>
+      </p:sp>
+      <p:pic>
+        <p:nvPicPr>
+          <p:cNvPr id="4" name="Image 3"/>
+          <p:cNvPicPr>
+            <a:picLocks noChangeAspect="1"/>
+          </p:cNvPicPr>
+          <p:nvPr/>
+        </p:nvPicPr>
+        <p:blipFill rotWithShape="1">
+          <a:blip r:embed="rId3"/>
+          <a:srcRect b="3911"/>
+          <a:stretch/>
+        </p:blipFill>
+        <p:spPr>
+          <a:xfrm>
+            <a:off x="795472" y="1854340"/>
+            <a:ext cx="3904543" cy="4228037"/>
+          </a:xfrm>
+          <a:prstGeom prst="rect">
+            <a:avLst/>
+          </a:prstGeom>
+        </p:spPr>
+      </p:pic>
+      <p:pic>
+        <p:nvPicPr>
+          <p:cNvPr id="8" name="Image 7"/>
+          <p:cNvPicPr>
+            <a:picLocks noChangeAspect="1"/>
+          </p:cNvPicPr>
+          <p:nvPr/>
+        </p:nvPicPr>
+        <p:blipFill>
+          <a:blip r:embed="rId4"/>
+          <a:stretch>
+            <a:fillRect/>
+          </a:stretch>
+        </p:blipFill>
+        <p:spPr>
+          <a:xfrm>
+            <a:off x="5075475" y="2359269"/>
+            <a:ext cx="6239447" cy="2839158"/>
+          </a:xfrm>
+          <a:prstGeom prst="rect">
+            <a:avLst/>
+          </a:prstGeom>
+        </p:spPr>
+      </p:pic>
     </p:spTree>
     <p:extLst>
       <p:ext uri="{BB962C8B-B14F-4D97-AF65-F5344CB8AC3E}">
@@ -20272,6 +20361,71 @@
           </a:p>
         </p:txBody>
       </p:sp>
+      <p:sp>
+        <p:nvSpPr>
+          <p:cNvPr id="3" name="Rectangle 2"/>
+          <p:cNvSpPr/>
+          <p:nvPr/>
+        </p:nvSpPr>
+        <p:spPr>
+          <a:xfrm>
+            <a:off x="533400" y="1485008"/>
+            <a:ext cx="9543288" cy="369332"/>
+          </a:xfrm>
+          <a:prstGeom prst="rect">
+            <a:avLst/>
+          </a:prstGeom>
+        </p:spPr>
+        <p:txBody>
+          <a:bodyPr wrap="square">
+            <a:spAutoFit/>
+          </a:bodyPr>
+          <a:lstStyle/>
+          <a:p>
+            <a:r>
+              <a:rPr lang="fr-FR" dirty="0">
+                <a:hlinkClick r:id="rId2"/>
+              </a:rPr>
+              <a:t>https://www.data.gouv.fr/fr/datasets/sites-references-dans-cartofriches</a:t>
+            </a:r>
+            <a:r>
+              <a:rPr lang="fr-FR" dirty="0" smtClean="0">
+                <a:hlinkClick r:id="rId2"/>
+              </a:rPr>
+              <a:t>/</a:t>
+            </a:r>
+            <a:r>
+              <a:rPr lang="fr-FR" dirty="0" smtClean="0"/>
+              <a:t> </a:t>
+            </a:r>
+            <a:endParaRPr lang="fr-FR" dirty="0"/>
+          </a:p>
+        </p:txBody>
+      </p:sp>
+      <p:pic>
+        <p:nvPicPr>
+          <p:cNvPr id="8" name="Image 7"/>
+          <p:cNvPicPr>
+            <a:picLocks noChangeAspect="1"/>
+          </p:cNvPicPr>
+          <p:nvPr/>
+        </p:nvPicPr>
+        <p:blipFill>
+          <a:blip r:embed="rId3"/>
+          <a:stretch>
+            <a:fillRect/>
+          </a:stretch>
+        </p:blipFill>
+        <p:spPr>
+          <a:xfrm>
+            <a:off x="533400" y="2019838"/>
+            <a:ext cx="10143363" cy="3480412"/>
+          </a:xfrm>
+          <a:prstGeom prst="rect">
+            <a:avLst/>
+          </a:prstGeom>
+        </p:spPr>
+      </p:pic>
     </p:spTree>
     <p:extLst>
       <p:ext uri="{BB962C8B-B14F-4D97-AF65-F5344CB8AC3E}">
@@ -20716,7 +20870,7 @@
         <p:spPr>
           <a:xfrm>
             <a:off x="454042" y="961788"/>
-            <a:ext cx="7287878" cy="954107"/>
+            <a:ext cx="7287878" cy="523220"/>
           </a:xfrm>
           <a:prstGeom prst="rect">
             <a:avLst/>
@@ -20734,7 +20888,15 @@
                   <a:srgbClr val="292574"/>
                 </a:solidFill>
               </a:rPr>
-              <a:t>Intégrer ses données au sein d’autres applications</a:t>
+              <a:t>Le code de l’application en </a:t>
+            </a:r>
+            <a:r>
+              <a:rPr lang="fr-FR" sz="2800" b="1" dirty="0" smtClean="0">
+                <a:solidFill>
+                  <a:srgbClr val="292574"/>
+                </a:solidFill>
+              </a:rPr>
+              <a:t>open data</a:t>
             </a:r>
             <a:endParaRPr lang="fr-FR" sz="2800" b="1" dirty="0">
               <a:solidFill>
@@ -20744,10 +20906,75 @@
           </a:p>
         </p:txBody>
       </p:sp>
+      <p:sp>
+        <p:nvSpPr>
+          <p:cNvPr id="3" name="Rectangle 2"/>
+          <p:cNvSpPr/>
+          <p:nvPr/>
+        </p:nvSpPr>
+        <p:spPr>
+          <a:xfrm>
+            <a:off x="533400" y="1485008"/>
+            <a:ext cx="9543288" cy="369332"/>
+          </a:xfrm>
+          <a:prstGeom prst="rect">
+            <a:avLst/>
+          </a:prstGeom>
+        </p:spPr>
+        <p:txBody>
+          <a:bodyPr wrap="square">
+            <a:spAutoFit/>
+          </a:bodyPr>
+          <a:lstStyle/>
+          <a:p>
+            <a:r>
+              <a:rPr lang="fr-FR" dirty="0">
+                <a:hlinkClick r:id="rId2"/>
+              </a:rPr>
+              <a:t>https://</a:t>
+            </a:r>
+            <a:r>
+              <a:rPr lang="fr-FR" dirty="0" smtClean="0">
+                <a:hlinkClick r:id="rId2"/>
+              </a:rPr>
+              <a:t>github.com/CEREMA/cartofriches</a:t>
+            </a:r>
+            <a:r>
+              <a:rPr lang="fr-FR" dirty="0" smtClean="0"/>
+              <a:t> </a:t>
+            </a:r>
+            <a:endParaRPr lang="fr-FR" dirty="0"/>
+          </a:p>
+        </p:txBody>
+      </p:sp>
+      <p:pic>
+        <p:nvPicPr>
+          <p:cNvPr id="4" name="Image 3"/>
+          <p:cNvPicPr>
+            <a:picLocks noChangeAspect="1"/>
+          </p:cNvPicPr>
+          <p:nvPr/>
+        </p:nvPicPr>
+        <p:blipFill>
+          <a:blip r:embed="rId3"/>
+          <a:stretch>
+            <a:fillRect/>
+          </a:stretch>
+        </p:blipFill>
+        <p:spPr>
+          <a:xfrm>
+            <a:off x="917011" y="2019838"/>
+            <a:ext cx="9001125" cy="2209800"/>
+          </a:xfrm>
+          <a:prstGeom prst="rect">
+            <a:avLst/>
+          </a:prstGeom>
+        </p:spPr>
+      </p:pic>
     </p:spTree>
     <p:extLst>
       <p:ext uri="{BB962C8B-B14F-4D97-AF65-F5344CB8AC3E}">
-        <p14:creationId xmlns:p14="http://schemas.microsoft.com/office/powerpoint/2010/main" val="3243049926"/>
+        <p14:creationId xmlns:p14="http://schemas.microsoft.com/office/powerpoint/2010/main" val="3443817075"/>
       </p:ext>
     </p:extLst>
   </p:cSld>
@@ -20798,7 +21025,7 @@
           <a:p>
             <a:r>
               <a:rPr lang="fr-FR" dirty="0" smtClean="0"/>
-              <a:t>A vous de jouer !</a:t>
+              <a:t>Un enjeu de diffusion de l’information</a:t>
             </a:r>
             <a:endParaRPr lang="fr-FR" dirty="0"/>
           </a:p>
@@ -20859,8 +21086,8 @@
         </p:nvSpPr>
         <p:spPr>
           <a:xfrm>
-            <a:off x="1542178" y="1665876"/>
-            <a:ext cx="9147158" cy="954107"/>
+            <a:off x="454041" y="961788"/>
+            <a:ext cx="9348719" cy="523220"/>
           </a:xfrm>
           <a:prstGeom prst="rect">
             <a:avLst/>
@@ -20872,31 +21099,13 @@
           </a:bodyPr>
           <a:lstStyle/>
           <a:p>
-            <a:pPr marL="514350" indent="-514350">
-              <a:buFont typeface="+mj-lt"/>
-              <a:buAutoNum type="arabicPeriod"/>
-            </a:pPr>
             <a:r>
               <a:rPr lang="fr-FR" sz="2800" b="1" dirty="0" smtClean="0">
                 <a:solidFill>
                   <a:srgbClr val="292574"/>
                 </a:solidFill>
               </a:rPr>
-              <a:t>Choisir son logiciel d’analyse de la donnée</a:t>
-            </a:r>
-          </a:p>
-          <a:p>
-            <a:pPr marL="514350" indent="-514350">
-              <a:buFont typeface="+mj-lt"/>
-              <a:buAutoNum type="arabicPeriod"/>
-            </a:pPr>
-            <a:r>
-              <a:rPr lang="fr-FR" sz="2800" b="1" dirty="0" smtClean="0">
-                <a:solidFill>
-                  <a:srgbClr val="292574"/>
-                </a:solidFill>
-              </a:rPr>
-              <a:t>Importer la donnée</a:t>
+              <a:t>Intégrer ses données au sein d’autres applications</a:t>
             </a:r>
             <a:endParaRPr lang="fr-FR" sz="2800" b="1" dirty="0">
               <a:solidFill>
@@ -20906,10 +21115,71 @@
           </a:p>
         </p:txBody>
       </p:sp>
+      <p:pic>
+        <p:nvPicPr>
+          <p:cNvPr id="3" name="Image 2"/>
+          <p:cNvPicPr>
+            <a:picLocks noChangeAspect="1"/>
+          </p:cNvPicPr>
+          <p:nvPr/>
+        </p:nvPicPr>
+        <p:blipFill>
+          <a:blip r:embed="rId2"/>
+          <a:stretch>
+            <a:fillRect/>
+          </a:stretch>
+        </p:blipFill>
+        <p:spPr>
+          <a:xfrm>
+            <a:off x="5477796" y="1820216"/>
+            <a:ext cx="6172200" cy="3629025"/>
+          </a:xfrm>
+          <a:prstGeom prst="rect">
+            <a:avLst/>
+          </a:prstGeom>
+        </p:spPr>
+      </p:pic>
+      <p:sp>
+        <p:nvSpPr>
+          <p:cNvPr id="8" name="Rectangle 7"/>
+          <p:cNvSpPr/>
+          <p:nvPr/>
+        </p:nvSpPr>
+        <p:spPr>
+          <a:xfrm>
+            <a:off x="599509" y="2019838"/>
+            <a:ext cx="4878287" cy="1323439"/>
+          </a:xfrm>
+          <a:prstGeom prst="rect">
+            <a:avLst/>
+          </a:prstGeom>
+        </p:spPr>
+        <p:txBody>
+          <a:bodyPr wrap="square">
+            <a:spAutoFit/>
+          </a:bodyPr>
+          <a:lstStyle/>
+          <a:p>
+            <a:r>
+              <a:rPr lang="fr-FR" sz="2000" smtClean="0">
+                <a:solidFill>
+                  <a:srgbClr val="292574"/>
+                </a:solidFill>
+              </a:rPr>
+              <a:t>Intégration des friches de Cartofriches dans l’outil UrbanSIMUL : outil d’analyse et d’aide à la décision sur le foncier, à destination des acteurs publics</a:t>
+            </a:r>
+            <a:endParaRPr lang="fr-FR" sz="2000" dirty="0" smtClean="0">
+              <a:solidFill>
+                <a:srgbClr val="292574"/>
+              </a:solidFill>
+            </a:endParaRPr>
+          </a:p>
+        </p:txBody>
+      </p:sp>
     </p:spTree>
     <p:extLst>
       <p:ext uri="{BB962C8B-B14F-4D97-AF65-F5344CB8AC3E}">
-        <p14:creationId xmlns:p14="http://schemas.microsoft.com/office/powerpoint/2010/main" val="3443878967"/>
+        <p14:creationId xmlns:p14="http://schemas.microsoft.com/office/powerpoint/2010/main" val="3243049926"/>
       </p:ext>
     </p:extLst>
   </p:cSld>
@@ -20943,313 +21213,135 @@
           <a:chExt cx="0" cy="0"/>
         </a:xfrm>
       </p:grpSpPr>
-      <p:pic>
-        <p:nvPicPr>
-          <p:cNvPr id="6" name="Espace réservé pour une image  5" descr="Une image contenant extérieur, eau, nature, nuages&#10;&#10;Description générée automatiquement">
-            <a:extLst>
-              <a:ext uri="{FF2B5EF4-FFF2-40B4-BE49-F238E27FC236}">
-                <a16:creationId xmlns:a16="http://schemas.microsoft.com/office/drawing/2014/main" id="{7CCBA99F-9A8D-466B-A80B-9082ED9C1E34}"/>
-              </a:ext>
-            </a:extLst>
-          </p:cNvPr>
-          <p:cNvPicPr>
-            <a:picLocks noGrp="1" noChangeAspect="1"/>
-          </p:cNvPicPr>
-          <p:nvPr>
-            <p:ph type="pic" sz="quarter" idx="14"/>
-          </p:nvPr>
-        </p:nvPicPr>
-        <p:blipFill>
-          <a:blip r:embed="rId3">
-            <a:extLst>
-              <a:ext uri="{28A0092B-C50C-407E-A947-70E740481C1C}">
-                <a14:useLocalDpi xmlns:a14="http://schemas.microsoft.com/office/drawing/2010/main" val="0"/>
-              </a:ext>
-            </a:extLst>
-          </a:blip>
-          <a:srcRect t="15227" b="15227"/>
-          <a:stretch>
-            <a:fillRect/>
-          </a:stretch>
-        </p:blipFill>
-        <p:spPr>
-          <a:xfrm>
-            <a:off x="0" y="-154984"/>
-            <a:ext cx="12192000" cy="5648325"/>
-          </a:xfrm>
-        </p:spPr>
-      </p:pic>
-      <p:sp>
-        <p:nvSpPr>
-          <p:cNvPr id="4" name="Espace réservé du texte 3">
-            <a:extLst>
-              <a:ext uri="{FF2B5EF4-FFF2-40B4-BE49-F238E27FC236}">
-                <a16:creationId xmlns:a16="http://schemas.microsoft.com/office/drawing/2014/main" id="{305393E8-557E-4790-A852-3E9F6C0BF6FF}"/>
-              </a:ext>
-            </a:extLst>
-          </p:cNvPr>
-          <p:cNvSpPr>
-            <a:spLocks noGrp="1"/>
-          </p:cNvSpPr>
-          <p:nvPr>
-            <p:ph type="body" sz="quarter" idx="12"/>
-          </p:nvPr>
-        </p:nvSpPr>
-        <p:spPr>
-          <a:xfrm>
-            <a:off x="4295052" y="4113085"/>
-            <a:ext cx="3601896" cy="1215843"/>
-          </a:xfrm>
-        </p:spPr>
-        <p:txBody>
-          <a:bodyPr/>
-          <a:lstStyle/>
-          <a:p>
-            <a:r>
-              <a:rPr lang="fr-FR" dirty="0"/>
-              <a:t>Merci de votre attention</a:t>
-            </a:r>
-          </a:p>
-        </p:txBody>
-      </p:sp>
-      <p:sp>
-        <p:nvSpPr>
-          <p:cNvPr id="7" name="Espace réservé du texte 3">
-            <a:extLst>
-              <a:ext uri="{FF2B5EF4-FFF2-40B4-BE49-F238E27FC236}">
-                <a16:creationId xmlns:a16="http://schemas.microsoft.com/office/drawing/2014/main" id="{305393E8-557E-4790-A852-3E9F6C0BF6FF}"/>
-              </a:ext>
-            </a:extLst>
-          </p:cNvPr>
-          <p:cNvSpPr txBox="1">
-            <a:spLocks/>
-          </p:cNvSpPr>
+      <p:sp>
+        <p:nvSpPr>
+          <p:cNvPr id="2" name="Titre 1"/>
+          <p:cNvSpPr>
+            <a:spLocks noGrp="1"/>
+          </p:cNvSpPr>
+          <p:nvPr>
+            <p:ph type="title"/>
+          </p:nvPr>
+        </p:nvSpPr>
+        <p:spPr/>
+        <p:txBody>
+          <a:bodyPr/>
+          <a:lstStyle/>
+          <a:p>
+            <a:r>
+              <a:rPr lang="fr-FR" dirty="0" smtClean="0"/>
+              <a:t>A vous de jouer !</a:t>
+            </a:r>
+            <a:endParaRPr lang="fr-FR" dirty="0"/>
+          </a:p>
+        </p:txBody>
+      </p:sp>
+      <p:sp>
+        <p:nvSpPr>
+          <p:cNvPr id="5" name="Espace réservé du numéro de diapositive 4"/>
+          <p:cNvSpPr>
+            <a:spLocks noGrp="1"/>
+          </p:cNvSpPr>
+          <p:nvPr>
+            <p:ph type="sldNum" sz="quarter" idx="4"/>
+          </p:nvPr>
+        </p:nvSpPr>
+        <p:spPr/>
+        <p:txBody>
+          <a:bodyPr/>
+          <a:lstStyle/>
+          <a:p>
+            <a:fld id="{DB28D779-26CF-48CC-83DD-609F16CD8116}" type="slidenum">
+              <a:rPr lang="fr-FR" smtClean="0"/>
+              <a:pPr/>
+              <a:t>19</a:t>
+            </a:fld>
+            <a:endParaRPr lang="fr-FR" dirty="0"/>
+          </a:p>
+        </p:txBody>
+      </p:sp>
+      <p:sp>
+        <p:nvSpPr>
+          <p:cNvPr id="7" name="Espace réservé du texte 6"/>
+          <p:cNvSpPr>
+            <a:spLocks noGrp="1"/>
+          </p:cNvSpPr>
+          <p:nvPr>
+            <p:ph type="body" sz="quarter" idx="11"/>
+          </p:nvPr>
+        </p:nvSpPr>
+        <p:spPr/>
+        <p:txBody>
+          <a:bodyPr/>
+          <a:lstStyle/>
+          <a:p>
+            <a:r>
+              <a:rPr lang="fr-FR" dirty="0" smtClean="0"/>
+              <a:t>Dataviz Challenge ENTPE 2023</a:t>
+            </a:r>
+            <a:endParaRPr lang="fr-FR" dirty="0"/>
+          </a:p>
+        </p:txBody>
+      </p:sp>
+      <p:sp>
+        <p:nvSpPr>
+          <p:cNvPr id="6" name="Rectangle 5"/>
+          <p:cNvSpPr/>
           <p:nvPr/>
         </p:nvSpPr>
         <p:spPr>
           <a:xfrm>
-            <a:off x="2075621" y="1459378"/>
-            <a:ext cx="8040757" cy="2419600"/>
+            <a:off x="1542178" y="1665876"/>
+            <a:ext cx="9147158" cy="954107"/>
           </a:xfrm>
           <a:prstGeom prst="rect">
             <a:avLst/>
           </a:prstGeom>
-          <a:solidFill>
-            <a:srgbClr val="FFFFFF">
-              <a:alpha val="69804"/>
-            </a:srgbClr>
-          </a:solidFill>
-        </p:spPr>
-        <p:txBody>
-          <a:bodyPr anchor="ctr" anchorCtr="0"/>
-          <a:lstStyle>
-            <a:lvl1pPr marL="0" indent="0" algn="ctr" defTabSz="914400" rtl="0" eaLnBrk="1" latinLnBrk="0" hangingPunct="1">
-              <a:lnSpc>
-                <a:spcPct val="100000"/>
-              </a:lnSpc>
-              <a:spcBef>
-                <a:spcPts val="1000"/>
-              </a:spcBef>
-              <a:buFont typeface="Arial" panose="020B0604020202020204" pitchFamily="34" charset="0"/>
-              <a:buNone/>
-              <a:defRPr sz="2000" b="1" kern="1200">
-                <a:solidFill>
-                  <a:schemeClr val="accent2"/>
-                </a:solidFill>
-                <a:latin typeface="+mn-lt"/>
-                <a:ea typeface="+mn-ea"/>
-                <a:cs typeface="+mn-cs"/>
-              </a:defRPr>
-            </a:lvl1pPr>
-            <a:lvl2pPr marL="0" indent="0" algn="l" defTabSz="914400" rtl="0" eaLnBrk="1" latinLnBrk="0" hangingPunct="1">
-              <a:lnSpc>
-                <a:spcPct val="100000"/>
-              </a:lnSpc>
-              <a:spcBef>
-                <a:spcPts val="500"/>
-              </a:spcBef>
-              <a:buFont typeface="Arial" panose="020B0604020202020204" pitchFamily="34" charset="0"/>
-              <a:buNone/>
-              <a:defRPr sz="1800" kern="1200">
+        </p:spPr>
+        <p:txBody>
+          <a:bodyPr wrap="square">
+            <a:spAutoFit/>
+          </a:bodyPr>
+          <a:lstStyle/>
+          <a:p>
+            <a:pPr marL="514350" indent="-514350">
+              <a:buFont typeface="+mj-lt"/>
+              <a:buAutoNum type="arabicPeriod"/>
+            </a:pPr>
+            <a:r>
+              <a:rPr lang="fr-FR" sz="2800" b="1" dirty="0" smtClean="0">
                 <a:solidFill>
                   <a:srgbClr val="292574"/>
                 </a:solidFill>
-                <a:latin typeface="+mn-lt"/>
-                <a:ea typeface="+mn-ea"/>
-                <a:cs typeface="+mn-cs"/>
-              </a:defRPr>
-            </a:lvl2pPr>
-            <a:lvl3pPr marL="285750" indent="-285750" algn="l" defTabSz="914400" rtl="0" eaLnBrk="1" latinLnBrk="0" hangingPunct="1">
-              <a:lnSpc>
-                <a:spcPct val="100000"/>
-              </a:lnSpc>
-              <a:spcBef>
-                <a:spcPts val="500"/>
-              </a:spcBef>
-              <a:buFont typeface="Arial" panose="020B0604020202020204" pitchFamily="34" charset="0"/>
-              <a:buChar char="•"/>
-              <a:defRPr sz="1600" kern="1200">
+              </a:rPr>
+              <a:t>Choisir son logiciel d’analyse de la donnée</a:t>
+            </a:r>
+          </a:p>
+          <a:p>
+            <a:pPr marL="514350" indent="-514350">
+              <a:buFont typeface="+mj-lt"/>
+              <a:buAutoNum type="arabicPeriod"/>
+            </a:pPr>
+            <a:r>
+              <a:rPr lang="fr-FR" sz="2800" b="1" dirty="0" smtClean="0">
                 <a:solidFill>
                   <a:srgbClr val="292574"/>
                 </a:solidFill>
-                <a:latin typeface="+mn-lt"/>
-                <a:ea typeface="+mn-ea"/>
-                <a:cs typeface="+mn-cs"/>
-              </a:defRPr>
-            </a:lvl3pPr>
-            <a:lvl4pPr marL="285750" indent="-285750" algn="l" defTabSz="914400" rtl="0" eaLnBrk="1" latinLnBrk="0" hangingPunct="1">
-              <a:lnSpc>
-                <a:spcPct val="100000"/>
-              </a:lnSpc>
-              <a:spcBef>
-                <a:spcPts val="500"/>
-              </a:spcBef>
-              <a:buFont typeface="Arial" panose="020B0604020202020204" pitchFamily="34" charset="0"/>
-              <a:buChar char="•"/>
-              <a:defRPr sz="1400" kern="1200">
-                <a:solidFill>
-                  <a:srgbClr val="292574"/>
-                </a:solidFill>
-                <a:latin typeface="+mn-lt"/>
-                <a:ea typeface="+mn-ea"/>
-                <a:cs typeface="+mn-cs"/>
-              </a:defRPr>
-            </a:lvl4pPr>
-            <a:lvl5pPr marL="0" indent="0" algn="l" defTabSz="914400" rtl="0" eaLnBrk="1" latinLnBrk="0" hangingPunct="1">
-              <a:lnSpc>
-                <a:spcPct val="100000"/>
-              </a:lnSpc>
-              <a:spcBef>
-                <a:spcPts val="500"/>
-              </a:spcBef>
-              <a:buFont typeface="Arial" panose="020B0604020202020204" pitchFamily="34" charset="0"/>
-              <a:buNone/>
-              <a:defRPr sz="1300" kern="1200">
-                <a:solidFill>
-                  <a:srgbClr val="292574"/>
-                </a:solidFill>
-                <a:latin typeface="+mn-lt"/>
-                <a:ea typeface="+mn-ea"/>
-                <a:cs typeface="+mn-cs"/>
-              </a:defRPr>
-            </a:lvl5pPr>
-            <a:lvl6pPr marL="2286000" indent="0" algn="l" defTabSz="914400" rtl="0" eaLnBrk="1" latinLnBrk="0" hangingPunct="1">
-              <a:lnSpc>
-                <a:spcPct val="90000"/>
-              </a:lnSpc>
-              <a:spcBef>
-                <a:spcPts val="500"/>
-              </a:spcBef>
-              <a:buFont typeface="Arial" panose="020B0604020202020204" pitchFamily="34" charset="0"/>
-              <a:buNone/>
-              <a:defRPr sz="1800" kern="1200">
-                <a:solidFill>
-                  <a:schemeClr val="tx1"/>
-                </a:solidFill>
-                <a:latin typeface="+mn-lt"/>
-                <a:ea typeface="+mn-ea"/>
-                <a:cs typeface="+mn-cs"/>
-              </a:defRPr>
-            </a:lvl6pPr>
-            <a:lvl7pPr marL="2971800" indent="-228600" algn="l" defTabSz="914400" rtl="0" eaLnBrk="1" latinLnBrk="0" hangingPunct="1">
-              <a:lnSpc>
-                <a:spcPct val="90000"/>
-              </a:lnSpc>
-              <a:spcBef>
-                <a:spcPts val="500"/>
-              </a:spcBef>
-              <a:buFont typeface="Arial" panose="020B0604020202020204" pitchFamily="34" charset="0"/>
-              <a:buChar char="•"/>
-              <a:defRPr sz="1800" kern="1200">
-                <a:solidFill>
-                  <a:schemeClr val="tx1"/>
-                </a:solidFill>
-                <a:latin typeface="+mn-lt"/>
-                <a:ea typeface="+mn-ea"/>
-                <a:cs typeface="+mn-cs"/>
-              </a:defRPr>
-            </a:lvl7pPr>
-            <a:lvl8pPr marL="3429000" indent="-228600" algn="l" defTabSz="914400" rtl="0" eaLnBrk="1" latinLnBrk="0" hangingPunct="1">
-              <a:lnSpc>
-                <a:spcPct val="90000"/>
-              </a:lnSpc>
-              <a:spcBef>
-                <a:spcPts val="500"/>
-              </a:spcBef>
-              <a:buFont typeface="Arial" panose="020B0604020202020204" pitchFamily="34" charset="0"/>
-              <a:buChar char="•"/>
-              <a:defRPr sz="1800" kern="1200">
-                <a:solidFill>
-                  <a:schemeClr val="tx1"/>
-                </a:solidFill>
-                <a:latin typeface="+mn-lt"/>
-                <a:ea typeface="+mn-ea"/>
-                <a:cs typeface="+mn-cs"/>
-              </a:defRPr>
-            </a:lvl8pPr>
-            <a:lvl9pPr marL="3886200" indent="-228600" algn="l" defTabSz="914400" rtl="0" eaLnBrk="1" latinLnBrk="0" hangingPunct="1">
-              <a:lnSpc>
-                <a:spcPct val="90000"/>
-              </a:lnSpc>
-              <a:spcBef>
-                <a:spcPts val="500"/>
-              </a:spcBef>
-              <a:buFont typeface="Arial" panose="020B0604020202020204" pitchFamily="34" charset="0"/>
-              <a:buChar char="•"/>
-              <a:defRPr sz="1800" kern="1200">
-                <a:solidFill>
-                  <a:schemeClr val="tx1"/>
-                </a:solidFill>
-                <a:latin typeface="+mn-lt"/>
-                <a:ea typeface="+mn-ea"/>
-                <a:cs typeface="+mn-cs"/>
-              </a:defRPr>
-            </a:lvl9pPr>
-          </a:lstStyle>
-          <a:p>
-            <a:endParaRPr lang="fr-FR" dirty="0"/>
-          </a:p>
-          <a:p>
-            <a:r>
-              <a:rPr lang="fr-FR" dirty="0" smtClean="0"/>
-              <a:t>Nicolas PELÉ </a:t>
-            </a:r>
-            <a:r>
-              <a:rPr lang="fr-FR" dirty="0" smtClean="0">
-                <a:hlinkClick r:id="rId4"/>
               </a:rPr>
-              <a:t>Nicolas.Pele@cerema.fr</a:t>
-            </a:r>
-            <a:endParaRPr lang="fr-FR" dirty="0"/>
-          </a:p>
-          <a:p>
-            <a:r>
-              <a:rPr lang="fr-FR" dirty="0" smtClean="0"/>
-              <a:t>Mathieu RAJERISON </a:t>
-            </a:r>
-            <a:r>
-              <a:rPr lang="fr-FR" dirty="0" smtClean="0">
-                <a:hlinkClick r:id="rId5"/>
-              </a:rPr>
-              <a:t>Mathieu.Rajerison@cerema.fr</a:t>
-            </a:r>
-            <a:endParaRPr lang="fr-FR" dirty="0"/>
-          </a:p>
-          <a:p>
-            <a:endParaRPr lang="it-IT" dirty="0"/>
-          </a:p>
-          <a:p>
-            <a:endParaRPr lang="fr-FR" dirty="0"/>
-          </a:p>
-          <a:p>
-            <a:endParaRPr lang="fr-FR" dirty="0"/>
+              <a:t>Importer la donnée</a:t>
+            </a:r>
+            <a:endParaRPr lang="fr-FR" sz="2800" b="1" dirty="0">
+              <a:solidFill>
+                <a:srgbClr val="292574"/>
+              </a:solidFill>
+            </a:endParaRPr>
           </a:p>
         </p:txBody>
       </p:sp>
     </p:spTree>
     <p:extLst>
       <p:ext uri="{BB962C8B-B14F-4D97-AF65-F5344CB8AC3E}">
-        <p14:creationId xmlns:p14="http://schemas.microsoft.com/office/powerpoint/2010/main" val="2388776303"/>
+        <p14:creationId xmlns:p14="http://schemas.microsoft.com/office/powerpoint/2010/main" val="3443878967"/>
       </p:ext>
     </p:extLst>
   </p:cSld>
@@ -21596,6 +21688,346 @@
 </p:sld>
 </file>
 
+<file path=ppt/slides/slide20.xml><?xml version="1.0" encoding="utf-8"?>
+<p:sld xmlns:a="http://schemas.openxmlformats.org/drawingml/2006/main" xmlns:r="http://schemas.openxmlformats.org/officeDocument/2006/relationships" xmlns:p="http://schemas.openxmlformats.org/presentationml/2006/main">
+  <p:cSld>
+    <p:spTree>
+      <p:nvGrpSpPr>
+        <p:cNvPr id="1" name=""/>
+        <p:cNvGrpSpPr/>
+        <p:nvPr/>
+      </p:nvGrpSpPr>
+      <p:grpSpPr>
+        <a:xfrm>
+          <a:off x="0" y="0"/>
+          <a:ext cx="0" cy="0"/>
+          <a:chOff x="0" y="0"/>
+          <a:chExt cx="0" cy="0"/>
+        </a:xfrm>
+      </p:grpSpPr>
+      <p:pic>
+        <p:nvPicPr>
+          <p:cNvPr id="6" name="Espace réservé pour une image  5" descr="Une image contenant extérieur, eau, nature, nuages&#10;&#10;Description générée automatiquement">
+            <a:extLst>
+              <a:ext uri="{FF2B5EF4-FFF2-40B4-BE49-F238E27FC236}">
+                <a16:creationId xmlns:a16="http://schemas.microsoft.com/office/drawing/2014/main" id="{7CCBA99F-9A8D-466B-A80B-9082ED9C1E34}"/>
+              </a:ext>
+            </a:extLst>
+          </p:cNvPr>
+          <p:cNvPicPr>
+            <a:picLocks noGrp="1" noChangeAspect="1"/>
+          </p:cNvPicPr>
+          <p:nvPr>
+            <p:ph type="pic" sz="quarter" idx="14"/>
+          </p:nvPr>
+        </p:nvPicPr>
+        <p:blipFill>
+          <a:blip r:embed="rId3">
+            <a:extLst>
+              <a:ext uri="{28A0092B-C50C-407E-A947-70E740481C1C}">
+                <a14:useLocalDpi xmlns:a14="http://schemas.microsoft.com/office/drawing/2010/main" val="0"/>
+              </a:ext>
+            </a:extLst>
+          </a:blip>
+          <a:srcRect t="15227" b="15227"/>
+          <a:stretch>
+            <a:fillRect/>
+          </a:stretch>
+        </p:blipFill>
+        <p:spPr>
+          <a:xfrm>
+            <a:off x="0" y="-154984"/>
+            <a:ext cx="12192000" cy="5648325"/>
+          </a:xfrm>
+        </p:spPr>
+      </p:pic>
+      <p:sp>
+        <p:nvSpPr>
+          <p:cNvPr id="4" name="Espace réservé du texte 3">
+            <a:extLst>
+              <a:ext uri="{FF2B5EF4-FFF2-40B4-BE49-F238E27FC236}">
+                <a16:creationId xmlns:a16="http://schemas.microsoft.com/office/drawing/2014/main" id="{305393E8-557E-4790-A852-3E9F6C0BF6FF}"/>
+              </a:ext>
+            </a:extLst>
+          </p:cNvPr>
+          <p:cNvSpPr>
+            <a:spLocks noGrp="1"/>
+          </p:cNvSpPr>
+          <p:nvPr>
+            <p:ph type="body" sz="quarter" idx="12"/>
+          </p:nvPr>
+        </p:nvSpPr>
+        <p:spPr>
+          <a:xfrm>
+            <a:off x="4295052" y="4113085"/>
+            <a:ext cx="3601896" cy="1215843"/>
+          </a:xfrm>
+        </p:spPr>
+        <p:txBody>
+          <a:bodyPr/>
+          <a:lstStyle/>
+          <a:p>
+            <a:r>
+              <a:rPr lang="fr-FR" dirty="0"/>
+              <a:t>Merci de votre attention</a:t>
+            </a:r>
+          </a:p>
+        </p:txBody>
+      </p:sp>
+      <p:sp>
+        <p:nvSpPr>
+          <p:cNvPr id="7" name="Espace réservé du texte 3">
+            <a:extLst>
+              <a:ext uri="{FF2B5EF4-FFF2-40B4-BE49-F238E27FC236}">
+                <a16:creationId xmlns:a16="http://schemas.microsoft.com/office/drawing/2014/main" id="{305393E8-557E-4790-A852-3E9F6C0BF6FF}"/>
+              </a:ext>
+            </a:extLst>
+          </p:cNvPr>
+          <p:cNvSpPr txBox="1">
+            <a:spLocks/>
+          </p:cNvSpPr>
+          <p:nvPr/>
+        </p:nvSpPr>
+        <p:spPr>
+          <a:xfrm>
+            <a:off x="2075621" y="1459378"/>
+            <a:ext cx="8040757" cy="2419600"/>
+          </a:xfrm>
+          <a:prstGeom prst="rect">
+            <a:avLst/>
+          </a:prstGeom>
+          <a:solidFill>
+            <a:srgbClr val="FFFFFF">
+              <a:alpha val="69804"/>
+            </a:srgbClr>
+          </a:solidFill>
+        </p:spPr>
+        <p:txBody>
+          <a:bodyPr anchor="ctr" anchorCtr="0"/>
+          <a:lstStyle>
+            <a:lvl1pPr marL="0" indent="0" algn="ctr" defTabSz="914400" rtl="0" eaLnBrk="1" latinLnBrk="0" hangingPunct="1">
+              <a:lnSpc>
+                <a:spcPct val="100000"/>
+              </a:lnSpc>
+              <a:spcBef>
+                <a:spcPts val="1000"/>
+              </a:spcBef>
+              <a:buFont typeface="Arial" panose="020B0604020202020204" pitchFamily="34" charset="0"/>
+              <a:buNone/>
+              <a:defRPr sz="2000" b="1" kern="1200">
+                <a:solidFill>
+                  <a:schemeClr val="accent2"/>
+                </a:solidFill>
+                <a:latin typeface="+mn-lt"/>
+                <a:ea typeface="+mn-ea"/>
+                <a:cs typeface="+mn-cs"/>
+              </a:defRPr>
+            </a:lvl1pPr>
+            <a:lvl2pPr marL="0" indent="0" algn="l" defTabSz="914400" rtl="0" eaLnBrk="1" latinLnBrk="0" hangingPunct="1">
+              <a:lnSpc>
+                <a:spcPct val="100000"/>
+              </a:lnSpc>
+              <a:spcBef>
+                <a:spcPts val="500"/>
+              </a:spcBef>
+              <a:buFont typeface="Arial" panose="020B0604020202020204" pitchFamily="34" charset="0"/>
+              <a:buNone/>
+              <a:defRPr sz="1800" kern="1200">
+                <a:solidFill>
+                  <a:srgbClr val="292574"/>
+                </a:solidFill>
+                <a:latin typeface="+mn-lt"/>
+                <a:ea typeface="+mn-ea"/>
+                <a:cs typeface="+mn-cs"/>
+              </a:defRPr>
+            </a:lvl2pPr>
+            <a:lvl3pPr marL="285750" indent="-285750" algn="l" defTabSz="914400" rtl="0" eaLnBrk="1" latinLnBrk="0" hangingPunct="1">
+              <a:lnSpc>
+                <a:spcPct val="100000"/>
+              </a:lnSpc>
+              <a:spcBef>
+                <a:spcPts val="500"/>
+              </a:spcBef>
+              <a:buFont typeface="Arial" panose="020B0604020202020204" pitchFamily="34" charset="0"/>
+              <a:buChar char="•"/>
+              <a:defRPr sz="1600" kern="1200">
+                <a:solidFill>
+                  <a:srgbClr val="292574"/>
+                </a:solidFill>
+                <a:latin typeface="+mn-lt"/>
+                <a:ea typeface="+mn-ea"/>
+                <a:cs typeface="+mn-cs"/>
+              </a:defRPr>
+            </a:lvl3pPr>
+            <a:lvl4pPr marL="285750" indent="-285750" algn="l" defTabSz="914400" rtl="0" eaLnBrk="1" latinLnBrk="0" hangingPunct="1">
+              <a:lnSpc>
+                <a:spcPct val="100000"/>
+              </a:lnSpc>
+              <a:spcBef>
+                <a:spcPts val="500"/>
+              </a:spcBef>
+              <a:buFont typeface="Arial" panose="020B0604020202020204" pitchFamily="34" charset="0"/>
+              <a:buChar char="•"/>
+              <a:defRPr sz="1400" kern="1200">
+                <a:solidFill>
+                  <a:srgbClr val="292574"/>
+                </a:solidFill>
+                <a:latin typeface="+mn-lt"/>
+                <a:ea typeface="+mn-ea"/>
+                <a:cs typeface="+mn-cs"/>
+              </a:defRPr>
+            </a:lvl4pPr>
+            <a:lvl5pPr marL="0" indent="0" algn="l" defTabSz="914400" rtl="0" eaLnBrk="1" latinLnBrk="0" hangingPunct="1">
+              <a:lnSpc>
+                <a:spcPct val="100000"/>
+              </a:lnSpc>
+              <a:spcBef>
+                <a:spcPts val="500"/>
+              </a:spcBef>
+              <a:buFont typeface="Arial" panose="020B0604020202020204" pitchFamily="34" charset="0"/>
+              <a:buNone/>
+              <a:defRPr sz="1300" kern="1200">
+                <a:solidFill>
+                  <a:srgbClr val="292574"/>
+                </a:solidFill>
+                <a:latin typeface="+mn-lt"/>
+                <a:ea typeface="+mn-ea"/>
+                <a:cs typeface="+mn-cs"/>
+              </a:defRPr>
+            </a:lvl5pPr>
+            <a:lvl6pPr marL="2286000" indent="0" algn="l" defTabSz="914400" rtl="0" eaLnBrk="1" latinLnBrk="0" hangingPunct="1">
+              <a:lnSpc>
+                <a:spcPct val="90000"/>
+              </a:lnSpc>
+              <a:spcBef>
+                <a:spcPts val="500"/>
+              </a:spcBef>
+              <a:buFont typeface="Arial" panose="020B0604020202020204" pitchFamily="34" charset="0"/>
+              <a:buNone/>
+              <a:defRPr sz="1800" kern="1200">
+                <a:solidFill>
+                  <a:schemeClr val="tx1"/>
+                </a:solidFill>
+                <a:latin typeface="+mn-lt"/>
+                <a:ea typeface="+mn-ea"/>
+                <a:cs typeface="+mn-cs"/>
+              </a:defRPr>
+            </a:lvl6pPr>
+            <a:lvl7pPr marL="2971800" indent="-228600" algn="l" defTabSz="914400" rtl="0" eaLnBrk="1" latinLnBrk="0" hangingPunct="1">
+              <a:lnSpc>
+                <a:spcPct val="90000"/>
+              </a:lnSpc>
+              <a:spcBef>
+                <a:spcPts val="500"/>
+              </a:spcBef>
+              <a:buFont typeface="Arial" panose="020B0604020202020204" pitchFamily="34" charset="0"/>
+              <a:buChar char="•"/>
+              <a:defRPr sz="1800" kern="1200">
+                <a:solidFill>
+                  <a:schemeClr val="tx1"/>
+                </a:solidFill>
+                <a:latin typeface="+mn-lt"/>
+                <a:ea typeface="+mn-ea"/>
+                <a:cs typeface="+mn-cs"/>
+              </a:defRPr>
+            </a:lvl7pPr>
+            <a:lvl8pPr marL="3429000" indent="-228600" algn="l" defTabSz="914400" rtl="0" eaLnBrk="1" latinLnBrk="0" hangingPunct="1">
+              <a:lnSpc>
+                <a:spcPct val="90000"/>
+              </a:lnSpc>
+              <a:spcBef>
+                <a:spcPts val="500"/>
+              </a:spcBef>
+              <a:buFont typeface="Arial" panose="020B0604020202020204" pitchFamily="34" charset="0"/>
+              <a:buChar char="•"/>
+              <a:defRPr sz="1800" kern="1200">
+                <a:solidFill>
+                  <a:schemeClr val="tx1"/>
+                </a:solidFill>
+                <a:latin typeface="+mn-lt"/>
+                <a:ea typeface="+mn-ea"/>
+                <a:cs typeface="+mn-cs"/>
+              </a:defRPr>
+            </a:lvl8pPr>
+            <a:lvl9pPr marL="3886200" indent="-228600" algn="l" defTabSz="914400" rtl="0" eaLnBrk="1" latinLnBrk="0" hangingPunct="1">
+              <a:lnSpc>
+                <a:spcPct val="90000"/>
+              </a:lnSpc>
+              <a:spcBef>
+                <a:spcPts val="500"/>
+              </a:spcBef>
+              <a:buFont typeface="Arial" panose="020B0604020202020204" pitchFamily="34" charset="0"/>
+              <a:buChar char="•"/>
+              <a:defRPr sz="1800" kern="1200">
+                <a:solidFill>
+                  <a:schemeClr val="tx1"/>
+                </a:solidFill>
+                <a:latin typeface="+mn-lt"/>
+                <a:ea typeface="+mn-ea"/>
+                <a:cs typeface="+mn-cs"/>
+              </a:defRPr>
+            </a:lvl9pPr>
+          </a:lstStyle>
+          <a:p>
+            <a:endParaRPr lang="fr-FR" dirty="0"/>
+          </a:p>
+          <a:p>
+            <a:r>
+              <a:rPr lang="fr-FR" dirty="0" smtClean="0"/>
+              <a:t>Nicolas PELÉ </a:t>
+            </a:r>
+            <a:r>
+              <a:rPr lang="fr-FR" dirty="0" smtClean="0">
+                <a:hlinkClick r:id="rId4"/>
+              </a:rPr>
+              <a:t>Nicolas.Pele@cerema.fr</a:t>
+            </a:r>
+            <a:endParaRPr lang="fr-FR" dirty="0"/>
+          </a:p>
+          <a:p>
+            <a:r>
+              <a:rPr lang="fr-FR" dirty="0" smtClean="0"/>
+              <a:t>Mathieu RAJERISON </a:t>
+            </a:r>
+            <a:r>
+              <a:rPr lang="fr-FR" dirty="0" smtClean="0">
+                <a:hlinkClick r:id="rId5"/>
+              </a:rPr>
+              <a:t>Mathieu.Rajerison@cerema.fr</a:t>
+            </a:r>
+            <a:endParaRPr lang="fr-FR" dirty="0"/>
+          </a:p>
+          <a:p>
+            <a:endParaRPr lang="it-IT" dirty="0"/>
+          </a:p>
+          <a:p>
+            <a:endParaRPr lang="fr-FR" dirty="0"/>
+          </a:p>
+          <a:p>
+            <a:endParaRPr lang="fr-FR" dirty="0"/>
+          </a:p>
+        </p:txBody>
+      </p:sp>
+    </p:spTree>
+    <p:extLst>
+      <p:ext uri="{BB962C8B-B14F-4D97-AF65-F5344CB8AC3E}">
+        <p14:creationId xmlns:p14="http://schemas.microsoft.com/office/powerpoint/2010/main" val="2388776303"/>
+      </p:ext>
+    </p:extLst>
+  </p:cSld>
+  <p:clrMapOvr>
+    <a:masterClrMapping/>
+  </p:clrMapOvr>
+  <p:timing>
+    <p:tnLst>
+      <p:par>
+        <p:cTn id="1" dur="indefinite" restart="never" nodeType="tmRoot"/>
+      </p:par>
+    </p:tnLst>
+  </p:timing>
+</p:sld>
+</file>
+
 <file path=ppt/slides/slide3.xml><?xml version="1.0" encoding="utf-8"?>
 <p:sld xmlns:a="http://schemas.openxmlformats.org/drawingml/2006/main" xmlns:r="http://schemas.openxmlformats.org/officeDocument/2006/relationships" xmlns:p="http://schemas.openxmlformats.org/presentationml/2006/main">
   <p:cSld>
@@ -21781,8 +22213,21 @@
                   <a:srgbClr val="292574"/>
                 </a:solidFill>
               </a:rPr>
-              <a:t>activités commerciales, de services, hôtelières,… </a:t>
-            </a:r>
+              <a:t>activités commerciales, de services, </a:t>
+            </a:r>
+            <a:r>
+              <a:rPr lang="fr-FR" sz="2400" dirty="0" smtClean="0">
+                <a:solidFill>
+                  <a:srgbClr val="292574"/>
+                </a:solidFill>
+              </a:rPr>
+              <a:t>hôtelières… </a:t>
+            </a:r>
+            <a:endParaRPr lang="fr-FR" sz="2400" dirty="0">
+              <a:solidFill>
+                <a:srgbClr val="292574"/>
+              </a:solidFill>
+            </a:endParaRPr>
           </a:p>
           <a:p>
             <a:r>
@@ -21799,8 +22244,21 @@
                   <a:srgbClr val="292574"/>
                 </a:solidFill>
               </a:rPr>
-              <a:t>aéroports, bâtiments de la SNCF,...</a:t>
-            </a:r>
+              <a:t>aéroports, bâtiments de la </a:t>
+            </a:r>
+            <a:r>
+              <a:rPr lang="fr-FR" sz="2400" dirty="0" smtClean="0">
+                <a:solidFill>
+                  <a:srgbClr val="292574"/>
+                </a:solidFill>
+              </a:rPr>
+              <a:t>SNCF...</a:t>
+            </a:r>
+            <a:endParaRPr lang="fr-FR" sz="2400" dirty="0">
+              <a:solidFill>
+                <a:srgbClr val="292574"/>
+              </a:solidFill>
+            </a:endParaRPr>
           </a:p>
           <a:p>
             <a:r>
@@ -21817,8 +22275,21 @@
                   <a:srgbClr val="292574"/>
                 </a:solidFill>
               </a:rPr>
-              <a:t>Bureaux, logements, terrains d’exercice, bâtiment de stockage, de maintenance,...</a:t>
-            </a:r>
+              <a:t>Bureaux, logements, terrains d’exercice, bâtiment de stockage, de </a:t>
+            </a:r>
+            <a:r>
+              <a:rPr lang="fr-FR" sz="2400" dirty="0" smtClean="0">
+                <a:solidFill>
+                  <a:srgbClr val="292574"/>
+                </a:solidFill>
+              </a:rPr>
+              <a:t>maintenance...</a:t>
+            </a:r>
+            <a:endParaRPr lang="fr-FR" sz="2400" dirty="0">
+              <a:solidFill>
+                <a:srgbClr val="292574"/>
+              </a:solidFill>
+            </a:endParaRPr>
           </a:p>
           <a:p>
             <a:r>
@@ -21835,8 +22306,21 @@
                   <a:srgbClr val="292574"/>
                 </a:solidFill>
               </a:rPr>
-              <a:t>Bâtiments de l’administration, écoles, hôpitaux, salles polyvalentes,...</a:t>
-            </a:r>
+              <a:t>Bâtiments de l’administration, écoles, hôpitaux, salles </a:t>
+            </a:r>
+            <a:r>
+              <a:rPr lang="fr-FR" sz="2400" dirty="0" smtClean="0">
+                <a:solidFill>
+                  <a:srgbClr val="292574"/>
+                </a:solidFill>
+              </a:rPr>
+              <a:t>polyvalentes...</a:t>
+            </a:r>
+            <a:endParaRPr lang="fr-FR" sz="2400" dirty="0">
+              <a:solidFill>
+                <a:srgbClr val="292574"/>
+              </a:solidFill>
+            </a:endParaRPr>
           </a:p>
           <a:p>
             <a:r>
@@ -22313,6 +22797,125 @@
           </a:p>
         </p:txBody>
       </p:sp>
+      <p:sp>
+        <p:nvSpPr>
+          <p:cNvPr id="9" name="ZoneTexte 8">
+            <a:extLst>
+              <a:ext uri="{FF2B5EF4-FFF2-40B4-BE49-F238E27FC236}">
+                <a16:creationId xmlns:a16="http://schemas.microsoft.com/office/drawing/2014/main" id="{85ECBB83-DF8D-4A2E-9F2C-25D9CFA10724}"/>
+              </a:ext>
+            </a:extLst>
+          </p:cNvPr>
+          <p:cNvSpPr txBox="1"/>
+          <p:nvPr/>
+        </p:nvSpPr>
+        <p:spPr>
+          <a:xfrm>
+            <a:off x="604109" y="1805372"/>
+            <a:ext cx="10860880" cy="2369880"/>
+          </a:xfrm>
+          <a:prstGeom prst="rect">
+            <a:avLst/>
+          </a:prstGeom>
+          <a:noFill/>
+        </p:spPr>
+        <p:txBody>
+          <a:bodyPr wrap="square">
+            <a:spAutoFit/>
+          </a:bodyPr>
+          <a:lstStyle/>
+          <a:p>
+            <a:pPr marL="457200" indent="-457200">
+              <a:buFont typeface="+mj-lt"/>
+              <a:buAutoNum type="arabicPeriod"/>
+            </a:pPr>
+            <a:r>
+              <a:rPr lang="fr-FR" sz="2400" dirty="0">
+                <a:solidFill>
+                  <a:srgbClr val="292574"/>
+                </a:solidFill>
+              </a:rPr>
+              <a:t>Recenser les friches sur l’ensemble du territoire </a:t>
+            </a:r>
+            <a:r>
+              <a:rPr lang="fr-FR" sz="2400" dirty="0" smtClean="0">
+                <a:solidFill>
+                  <a:srgbClr val="292574"/>
+                </a:solidFill>
+              </a:rPr>
+              <a:t>national</a:t>
+            </a:r>
+          </a:p>
+          <a:p>
+            <a:pPr marL="457200" indent="-457200">
+              <a:buFont typeface="+mj-lt"/>
+              <a:buAutoNum type="arabicPeriod"/>
+            </a:pPr>
+            <a:endParaRPr lang="fr-FR" sz="2400" dirty="0">
+              <a:solidFill>
+                <a:srgbClr val="292574"/>
+              </a:solidFill>
+            </a:endParaRPr>
+          </a:p>
+          <a:p>
+            <a:pPr marL="457200" indent="-457200">
+              <a:buFont typeface="+mj-lt"/>
+              <a:buAutoNum type="arabicPeriod"/>
+            </a:pPr>
+            <a:r>
+              <a:rPr lang="fr-FR" sz="2400" dirty="0">
+                <a:solidFill>
+                  <a:srgbClr val="292574"/>
+                </a:solidFill>
+              </a:rPr>
+              <a:t>Estimer le potentiel de réutilisation des </a:t>
+            </a:r>
+            <a:r>
+              <a:rPr lang="fr-FR" sz="2400" dirty="0" smtClean="0">
+                <a:solidFill>
+                  <a:srgbClr val="292574"/>
+                </a:solidFill>
+              </a:rPr>
+              <a:t>friches (surface, localisation, etc…)</a:t>
+            </a:r>
+          </a:p>
+          <a:p>
+            <a:pPr marL="457200" indent="-457200">
+              <a:buFont typeface="+mj-lt"/>
+              <a:buAutoNum type="arabicPeriod"/>
+            </a:pPr>
+            <a:endParaRPr lang="fr-FR" sz="2400" dirty="0">
+              <a:solidFill>
+                <a:srgbClr val="292574"/>
+              </a:solidFill>
+            </a:endParaRPr>
+          </a:p>
+          <a:p>
+            <a:pPr marL="457200" indent="-457200">
+              <a:buFont typeface="+mj-lt"/>
+              <a:buAutoNum type="arabicPeriod"/>
+            </a:pPr>
+            <a:r>
+              <a:rPr lang="fr-FR" sz="2400" dirty="0">
+                <a:solidFill>
+                  <a:srgbClr val="292574"/>
+                </a:solidFill>
+              </a:rPr>
+              <a:t>Faciliter la reconversion des friches</a:t>
+            </a:r>
+          </a:p>
+          <a:p>
+            <a:endParaRPr lang="fr-FR" sz="1400" b="1" dirty="0">
+              <a:solidFill>
+                <a:srgbClr val="292574"/>
+              </a:solidFill>
+            </a:endParaRPr>
+          </a:p>
+          <a:p>
+            <a:endParaRPr lang="fr-FR" sz="1400" dirty="0"/>
+          </a:p>
+        </p:txBody>
+      </p:sp>
     </p:spTree>
     <p:extLst>
       <p:ext uri="{BB962C8B-B14F-4D97-AF65-F5344CB8AC3E}">
@@ -22326,9 +22929,80 @@
   <p:timing>
     <p:tnLst>
       <p:par>
-        <p:cTn id="1" dur="indefinite" restart="never" nodeType="tmRoot"/>
+        <p:cTn id="1" dur="indefinite" restart="never" nodeType="tmRoot">
+          <p:childTnLst>
+            <p:seq concurrent="1" nextAc="seek">
+              <p:cTn id="2" dur="indefinite" nodeType="mainSeq">
+                <p:childTnLst>
+                  <p:par>
+                    <p:cTn id="3" fill="hold">
+                      <p:stCondLst>
+                        <p:cond delay="indefinite"/>
+                      </p:stCondLst>
+                      <p:childTnLst>
+                        <p:par>
+                          <p:cTn id="4" fill="hold">
+                            <p:stCondLst>
+                              <p:cond delay="0"/>
+                            </p:stCondLst>
+                            <p:childTnLst>
+                              <p:par>
+                                <p:cTn id="5" presetID="1" presetClass="entr" presetSubtype="0" fill="hold" grpId="0" nodeType="clickEffect">
+                                  <p:stCondLst>
+                                    <p:cond delay="0"/>
+                                  </p:stCondLst>
+                                  <p:childTnLst>
+                                    <p:set>
+                                      <p:cBhvr>
+                                        <p:cTn id="6" dur="1" fill="hold">
+                                          <p:stCondLst>
+                                            <p:cond delay="0"/>
+                                          </p:stCondLst>
+                                        </p:cTn>
+                                        <p:tgtEl>
+                                          <p:spTgt spid="9"/>
+                                        </p:tgtEl>
+                                        <p:attrNameLst>
+                                          <p:attrName>style.visibility</p:attrName>
+                                        </p:attrNameLst>
+                                      </p:cBhvr>
+                                      <p:to>
+                                        <p:strVal val="visible"/>
+                                      </p:to>
+                                    </p:set>
+                                  </p:childTnLst>
+                                </p:cTn>
+                              </p:par>
+                            </p:childTnLst>
+                          </p:cTn>
+                        </p:par>
+                      </p:childTnLst>
+                    </p:cTn>
+                  </p:par>
+                </p:childTnLst>
+              </p:cTn>
+              <p:prevCondLst>
+                <p:cond evt="onPrev" delay="0">
+                  <p:tgtEl>
+                    <p:sldTgt/>
+                  </p:tgtEl>
+                </p:cond>
+              </p:prevCondLst>
+              <p:nextCondLst>
+                <p:cond evt="onNext" delay="0">
+                  <p:tgtEl>
+                    <p:sldTgt/>
+                  </p:tgtEl>
+                </p:cond>
+              </p:nextCondLst>
+            </p:seq>
+          </p:childTnLst>
+        </p:cTn>
       </p:par>
     </p:tnLst>
+    <p:bldLst>
+      <p:bldP spid="9" grpId="0"/>
+    </p:bldLst>
   </p:timing>
 </p:sld>
 </file>
@@ -22617,6 +23291,155 @@
           </a:p>
         </p:txBody>
       </p:sp>
+      <p:sp>
+        <p:nvSpPr>
+          <p:cNvPr id="6" name="ZoneTexte 5">
+            <a:extLst>
+              <a:ext uri="{FF2B5EF4-FFF2-40B4-BE49-F238E27FC236}">
+                <a16:creationId xmlns:a16="http://schemas.microsoft.com/office/drawing/2014/main" id="{85ECBB83-DF8D-4A2E-9F2C-25D9CFA10724}"/>
+              </a:ext>
+            </a:extLst>
+          </p:cNvPr>
+          <p:cNvSpPr txBox="1"/>
+          <p:nvPr/>
+        </p:nvSpPr>
+        <p:spPr>
+          <a:xfrm>
+            <a:off x="604109" y="1805372"/>
+            <a:ext cx="10860880" cy="3108543"/>
+          </a:xfrm>
+          <a:prstGeom prst="rect">
+            <a:avLst/>
+          </a:prstGeom>
+          <a:noFill/>
+        </p:spPr>
+        <p:txBody>
+          <a:bodyPr wrap="square">
+            <a:spAutoFit/>
+          </a:bodyPr>
+          <a:lstStyle/>
+          <a:p>
+            <a:pPr marL="457200" indent="-457200">
+              <a:buFont typeface="+mj-lt"/>
+              <a:buAutoNum type="arabicPeriod"/>
+            </a:pPr>
+            <a:r>
+              <a:rPr lang="fr-FR" sz="2400" dirty="0" smtClean="0">
+                <a:solidFill>
+                  <a:srgbClr val="292574"/>
+                </a:solidFill>
+              </a:rPr>
+              <a:t>Sites et sols pollués : BASIAS et BASOL</a:t>
+            </a:r>
+          </a:p>
+          <a:p>
+            <a:pPr marL="457200" indent="-457200">
+              <a:buFont typeface="+mj-lt"/>
+              <a:buAutoNum type="arabicPeriod"/>
+            </a:pPr>
+            <a:endParaRPr lang="fr-FR" sz="2400" dirty="0">
+              <a:solidFill>
+                <a:srgbClr val="292574"/>
+              </a:solidFill>
+            </a:endParaRPr>
+          </a:p>
+          <a:p>
+            <a:pPr marL="457200" indent="-457200">
+              <a:buFont typeface="+mj-lt"/>
+              <a:buAutoNum type="arabicPeriod"/>
+            </a:pPr>
+            <a:r>
+              <a:rPr lang="fr-FR" sz="2400" dirty="0" smtClean="0">
+                <a:solidFill>
+                  <a:srgbClr val="292574"/>
+                </a:solidFill>
+              </a:rPr>
+              <a:t>Remontées terrains via des collectivités ou acteurs publics</a:t>
+            </a:r>
+          </a:p>
+          <a:p>
+            <a:pPr marL="457200" indent="-457200">
+              <a:buFont typeface="+mj-lt"/>
+              <a:buAutoNum type="arabicPeriod"/>
+            </a:pPr>
+            <a:endParaRPr lang="fr-FR" sz="2400" dirty="0">
+              <a:solidFill>
+                <a:srgbClr val="292574"/>
+              </a:solidFill>
+            </a:endParaRPr>
+          </a:p>
+          <a:p>
+            <a:pPr marL="457200" indent="-457200">
+              <a:buFont typeface="+mj-lt"/>
+              <a:buAutoNum type="arabicPeriod"/>
+            </a:pPr>
+            <a:r>
+              <a:rPr lang="fr-FR" sz="2400" dirty="0" smtClean="0">
+                <a:solidFill>
+                  <a:srgbClr val="292574"/>
+                </a:solidFill>
+              </a:rPr>
+              <a:t>Remontées terrains via des contributeurs (type </a:t>
+            </a:r>
+            <a:r>
+              <a:rPr lang="fr-FR" sz="2400" dirty="0" err="1" smtClean="0">
+                <a:solidFill>
+                  <a:srgbClr val="292574"/>
+                </a:solidFill>
+              </a:rPr>
+              <a:t>OpenStreetMap</a:t>
+            </a:r>
+            <a:r>
+              <a:rPr lang="fr-FR" sz="2400" dirty="0" smtClean="0">
+                <a:solidFill>
+                  <a:srgbClr val="292574"/>
+                </a:solidFill>
+              </a:rPr>
+              <a:t>)</a:t>
+            </a:r>
+          </a:p>
+          <a:p>
+            <a:pPr marL="457200" indent="-457200">
+              <a:buFont typeface="+mj-lt"/>
+              <a:buAutoNum type="arabicPeriod"/>
+            </a:pPr>
+            <a:endParaRPr lang="fr-FR" sz="2400" dirty="0">
+              <a:solidFill>
+                <a:srgbClr val="292574"/>
+              </a:solidFill>
+            </a:endParaRPr>
+          </a:p>
+          <a:p>
+            <a:pPr marL="457200" indent="-457200">
+              <a:buFont typeface="+mj-lt"/>
+              <a:buAutoNum type="arabicPeriod"/>
+            </a:pPr>
+            <a:r>
+              <a:rPr lang="fr-FR" sz="2400" dirty="0" smtClean="0">
+                <a:solidFill>
+                  <a:srgbClr val="292574"/>
+                </a:solidFill>
+              </a:rPr>
+              <a:t>Autres idées ?</a:t>
+            </a:r>
+            <a:endParaRPr lang="fr-FR" sz="2400" dirty="0">
+              <a:solidFill>
+                <a:srgbClr val="292574"/>
+              </a:solidFill>
+            </a:endParaRPr>
+          </a:p>
+          <a:p>
+            <a:endParaRPr lang="fr-FR" sz="1400" b="1" dirty="0">
+              <a:solidFill>
+                <a:srgbClr val="292574"/>
+              </a:solidFill>
+            </a:endParaRPr>
+          </a:p>
+          <a:p>
+            <a:endParaRPr lang="fr-FR" sz="1400" dirty="0"/>
+          </a:p>
+        </p:txBody>
+      </p:sp>
     </p:spTree>
     <p:extLst>
       <p:ext uri="{BB962C8B-B14F-4D97-AF65-F5344CB8AC3E}">
@@ -22630,9 +23453,80 @@
   <p:timing>
     <p:tnLst>
       <p:par>
-        <p:cTn id="1" dur="indefinite" restart="never" nodeType="tmRoot"/>
+        <p:cTn id="1" dur="indefinite" restart="never" nodeType="tmRoot">
+          <p:childTnLst>
+            <p:seq concurrent="1" nextAc="seek">
+              <p:cTn id="2" dur="indefinite" nodeType="mainSeq">
+                <p:childTnLst>
+                  <p:par>
+                    <p:cTn id="3" fill="hold">
+                      <p:stCondLst>
+                        <p:cond delay="indefinite"/>
+                      </p:stCondLst>
+                      <p:childTnLst>
+                        <p:par>
+                          <p:cTn id="4" fill="hold">
+                            <p:stCondLst>
+                              <p:cond delay="0"/>
+                            </p:stCondLst>
+                            <p:childTnLst>
+                              <p:par>
+                                <p:cTn id="5" presetID="1" presetClass="entr" presetSubtype="0" fill="hold" grpId="0" nodeType="clickEffect">
+                                  <p:stCondLst>
+                                    <p:cond delay="0"/>
+                                  </p:stCondLst>
+                                  <p:childTnLst>
+                                    <p:set>
+                                      <p:cBhvr>
+                                        <p:cTn id="6" dur="1" fill="hold">
+                                          <p:stCondLst>
+                                            <p:cond delay="0"/>
+                                          </p:stCondLst>
+                                        </p:cTn>
+                                        <p:tgtEl>
+                                          <p:spTgt spid="6"/>
+                                        </p:tgtEl>
+                                        <p:attrNameLst>
+                                          <p:attrName>style.visibility</p:attrName>
+                                        </p:attrNameLst>
+                                      </p:cBhvr>
+                                      <p:to>
+                                        <p:strVal val="visible"/>
+                                      </p:to>
+                                    </p:set>
+                                  </p:childTnLst>
+                                </p:cTn>
+                              </p:par>
+                            </p:childTnLst>
+                          </p:cTn>
+                        </p:par>
+                      </p:childTnLst>
+                    </p:cTn>
+                  </p:par>
+                </p:childTnLst>
+              </p:cTn>
+              <p:prevCondLst>
+                <p:cond evt="onPrev" delay="0">
+                  <p:tgtEl>
+                    <p:sldTgt/>
+                  </p:tgtEl>
+                </p:cond>
+              </p:prevCondLst>
+              <p:nextCondLst>
+                <p:cond evt="onNext" delay="0">
+                  <p:tgtEl>
+                    <p:sldTgt/>
+                  </p:tgtEl>
+                </p:cond>
+              </p:nextCondLst>
+            </p:seq>
+          </p:childTnLst>
+        </p:cTn>
       </p:par>
     </p:tnLst>
+    <p:bldLst>
+      <p:bldP spid="6" grpId="0"/>
+    </p:bldLst>
   </p:timing>
 </p:sld>
 </file>
